--- a/tests/salut.pptx
+++ b/tests/salut.pptx
@@ -9,6 +9,7 @@
     <p:sldId id="257" r:id="rId3"/>
     <p:sldId id="258" r:id="rId5"/>
     <p:sldId id="259" r:id="rId6"/>
+    <p:sldId id="261" r:id="rId7"/>
   </p:sldIdLst>
   <p:sldSz cx="9144000" cy="6858000" type="screen4x3"/>
   <p:notesSz cx="6858000" cy="9144000"/>
@@ -2438,9 +2439,9 @@
               <a:pPr>
                 <a:defRPr/>
               </a:pPr>
-              <a:t>05/01/2022</a:t>
+              <a:t>06/01/2022</a:t>
             </a:fld>
-            <a:endParaRPr lang="fr-FR"/>
+            <a:endParaRPr lang="fr-FR" dirty="0"/>
           </a:p>
         </p:txBody>
       </p:sp>
@@ -2462,7 +2463,7 @@
             <a:pPr>
               <a:defRPr/>
             </a:pPr>
-            <a:endParaRPr lang="fr-FR"/>
+            <a:endParaRPr lang="fr-FR" dirty="0"/>
           </a:p>
         </p:txBody>
       </p:sp>
@@ -2491,7 +2492,7 @@
               </a:pPr>
               <a:t>‹N°›</a:t>
             </a:fld>
-            <a:endParaRPr lang="fr-FR"/>
+            <a:endParaRPr lang="fr-FR" dirty="0"/>
           </a:p>
         </p:txBody>
       </p:sp>
@@ -2633,7 +2634,7 @@
           </a:lstStyle>
           <a:p>
             <a:r>
-              <a:rPr lang="fr-FR"/>
+              <a:rPr lang="fr-FR" dirty="0"/>
               <a:t>Cliquez sur l'icône pour ajouter une image</a:t>
             </a:r>
             <a:endParaRPr lang="en-US" dirty="0"/>
@@ -2719,9 +2720,9 @@
               <a:pPr>
                 <a:defRPr/>
               </a:pPr>
-              <a:t>05/01/2022</a:t>
+              <a:t>06/01/2022</a:t>
             </a:fld>
-            <a:endParaRPr lang="fr-FR"/>
+            <a:endParaRPr lang="fr-FR" dirty="0"/>
           </a:p>
         </p:txBody>
       </p:sp>
@@ -2743,7 +2744,7 @@
             <a:pPr>
               <a:defRPr/>
             </a:pPr>
-            <a:endParaRPr lang="fr-FR"/>
+            <a:endParaRPr lang="fr-FR" dirty="0"/>
           </a:p>
         </p:txBody>
       </p:sp>
@@ -2772,7 +2773,7 @@
               </a:pPr>
               <a:t>‹N°›</a:t>
             </a:fld>
-            <a:endParaRPr lang="fr-FR"/>
+            <a:endParaRPr lang="fr-FR" dirty="0"/>
           </a:p>
         </p:txBody>
       </p:sp>
@@ -2982,9 +2983,9 @@
               <a:pPr>
                 <a:defRPr/>
               </a:pPr>
-              <a:t>05/01/2022</a:t>
+              <a:t>06/01/2022</a:t>
             </a:fld>
-            <a:endParaRPr lang="fr-FR"/>
+            <a:endParaRPr lang="fr-FR" dirty="0"/>
           </a:p>
         </p:txBody>
       </p:sp>
@@ -3006,7 +3007,7 @@
             <a:pPr>
               <a:defRPr/>
             </a:pPr>
-            <a:endParaRPr lang="fr-FR"/>
+            <a:endParaRPr lang="fr-FR" dirty="0"/>
           </a:p>
         </p:txBody>
       </p:sp>
@@ -3035,7 +3036,7 @@
               </a:pPr>
               <a:t>‹N°›</a:t>
             </a:fld>
-            <a:endParaRPr lang="fr-FR"/>
+            <a:endParaRPr lang="fr-FR" dirty="0"/>
           </a:p>
         </p:txBody>
       </p:sp>
@@ -3303,9 +3304,9 @@
               <a:pPr>
                 <a:defRPr/>
               </a:pPr>
-              <a:t>05/01/2022</a:t>
+              <a:t>06/01/2022</a:t>
             </a:fld>
-            <a:endParaRPr lang="fr-FR"/>
+            <a:endParaRPr lang="fr-FR" dirty="0"/>
           </a:p>
         </p:txBody>
       </p:sp>
@@ -3327,7 +3328,7 @@
             <a:pPr>
               <a:defRPr/>
             </a:pPr>
-            <a:endParaRPr lang="fr-FR"/>
+            <a:endParaRPr lang="fr-FR" dirty="0"/>
           </a:p>
         </p:txBody>
       </p:sp>
@@ -3356,7 +3357,7 @@
               </a:pPr>
               <a:t>‹N°›</a:t>
             </a:fld>
-            <a:endParaRPr lang="fr-FR"/>
+            <a:endParaRPr lang="fr-FR" dirty="0"/>
           </a:p>
         </p:txBody>
       </p:sp>
@@ -3634,9 +3635,9 @@
               <a:pPr>
                 <a:defRPr/>
               </a:pPr>
-              <a:t>05/01/2022</a:t>
+              <a:t>06/01/2022</a:t>
             </a:fld>
-            <a:endParaRPr lang="fr-FR"/>
+            <a:endParaRPr lang="fr-FR" dirty="0"/>
           </a:p>
         </p:txBody>
       </p:sp>
@@ -3658,7 +3659,7 @@
             <a:pPr>
               <a:defRPr/>
             </a:pPr>
-            <a:endParaRPr lang="fr-FR"/>
+            <a:endParaRPr lang="fr-FR" dirty="0"/>
           </a:p>
         </p:txBody>
       </p:sp>
@@ -3687,7 +3688,7 @@
               </a:pPr>
               <a:t>‹N°›</a:t>
             </a:fld>
-            <a:endParaRPr lang="fr-FR"/>
+            <a:endParaRPr lang="fr-FR" dirty="0"/>
           </a:p>
         </p:txBody>
       </p:sp>
@@ -3949,9 +3950,9 @@
               <a:pPr>
                 <a:defRPr/>
               </a:pPr>
-              <a:t>05/01/2022</a:t>
+              <a:t>06/01/2022</a:t>
             </a:fld>
-            <a:endParaRPr lang="fr-FR"/>
+            <a:endParaRPr lang="fr-FR" dirty="0"/>
           </a:p>
         </p:txBody>
       </p:sp>
@@ -3973,7 +3974,7 @@
             <a:pPr>
               <a:defRPr/>
             </a:pPr>
-            <a:endParaRPr lang="fr-FR"/>
+            <a:endParaRPr lang="fr-FR" dirty="0"/>
           </a:p>
         </p:txBody>
       </p:sp>
@@ -4002,7 +4003,7 @@
               </a:pPr>
               <a:t>‹N°›</a:t>
             </a:fld>
-            <a:endParaRPr lang="fr-FR"/>
+            <a:endParaRPr lang="fr-FR" dirty="0"/>
           </a:p>
         </p:txBody>
       </p:sp>
@@ -4329,9 +4330,9 @@
               <a:pPr>
                 <a:defRPr/>
               </a:pPr>
-              <a:t>05/01/2022</a:t>
+              <a:t>06/01/2022</a:t>
             </a:fld>
-            <a:endParaRPr lang="fr-FR"/>
+            <a:endParaRPr lang="fr-FR" dirty="0"/>
           </a:p>
         </p:txBody>
       </p:sp>
@@ -4353,7 +4354,7 @@
             <a:pPr>
               <a:defRPr/>
             </a:pPr>
-            <a:endParaRPr lang="fr-FR"/>
+            <a:endParaRPr lang="fr-FR" dirty="0"/>
           </a:p>
         </p:txBody>
       </p:sp>
@@ -4382,7 +4383,7 @@
               </a:pPr>
               <a:t>‹N°›</a:t>
             </a:fld>
-            <a:endParaRPr lang="fr-FR"/>
+            <a:endParaRPr lang="fr-FR" dirty="0"/>
           </a:p>
         </p:txBody>
       </p:sp>
@@ -4530,9 +4531,9 @@
               <a:pPr>
                 <a:defRPr/>
               </a:pPr>
-              <a:t>05/01/2022</a:t>
+              <a:t>06/01/2022</a:t>
             </a:fld>
-            <a:endParaRPr lang="fr-FR"/>
+            <a:endParaRPr lang="fr-FR" dirty="0"/>
           </a:p>
         </p:txBody>
       </p:sp>
@@ -4554,7 +4555,7 @@
             <a:pPr>
               <a:defRPr/>
             </a:pPr>
-            <a:endParaRPr lang="fr-FR"/>
+            <a:endParaRPr lang="fr-FR" dirty="0"/>
           </a:p>
         </p:txBody>
       </p:sp>
@@ -4583,7 +4584,7 @@
               </a:pPr>
               <a:t>‹N°›</a:t>
             </a:fld>
-            <a:endParaRPr lang="fr-FR"/>
+            <a:endParaRPr lang="fr-FR" dirty="0"/>
           </a:p>
         </p:txBody>
       </p:sp>
@@ -4731,9 +4732,9 @@
               <a:pPr>
                 <a:defRPr/>
               </a:pPr>
-              <a:t>05/01/2022</a:t>
+              <a:t>06/01/2022</a:t>
             </a:fld>
-            <a:endParaRPr lang="fr-FR"/>
+            <a:endParaRPr lang="fr-FR" dirty="0"/>
           </a:p>
         </p:txBody>
       </p:sp>
@@ -4755,7 +4756,7 @@
             <a:pPr>
               <a:defRPr/>
             </a:pPr>
-            <a:endParaRPr lang="fr-FR"/>
+            <a:endParaRPr lang="fr-FR" dirty="0"/>
           </a:p>
         </p:txBody>
       </p:sp>
@@ -4784,7 +4785,7 @@
               </a:pPr>
               <a:t>‹N°›</a:t>
             </a:fld>
-            <a:endParaRPr lang="fr-FR"/>
+            <a:endParaRPr lang="fr-FR" dirty="0"/>
           </a:p>
         </p:txBody>
       </p:sp>
@@ -4926,9 +4927,9 @@
               <a:pPr>
                 <a:defRPr/>
               </a:pPr>
-              <a:t>05/01/2022</a:t>
+              <a:t>06/01/2022</a:t>
             </a:fld>
-            <a:endParaRPr lang="fr-FR"/>
+            <a:endParaRPr lang="fr-FR" dirty="0"/>
           </a:p>
         </p:txBody>
       </p:sp>
@@ -4950,7 +4951,7 @@
             <a:pPr>
               <a:defRPr/>
             </a:pPr>
-            <a:endParaRPr lang="fr-FR"/>
+            <a:endParaRPr lang="fr-FR" dirty="0"/>
           </a:p>
         </p:txBody>
       </p:sp>
@@ -4979,7 +4980,7 @@
               </a:pPr>
               <a:t>‹N°›</a:t>
             </a:fld>
-            <a:endParaRPr lang="fr-FR"/>
+            <a:endParaRPr lang="fr-FR" dirty="0"/>
           </a:p>
         </p:txBody>
       </p:sp>
@@ -5189,9 +5190,9 @@
               <a:pPr>
                 <a:defRPr/>
               </a:pPr>
-              <a:t>05/01/2022</a:t>
+              <a:t>06/01/2022</a:t>
             </a:fld>
-            <a:endParaRPr lang="fr-FR"/>
+            <a:endParaRPr lang="fr-FR" dirty="0"/>
           </a:p>
         </p:txBody>
       </p:sp>
@@ -5213,7 +5214,7 @@
             <a:pPr>
               <a:defRPr/>
             </a:pPr>
-            <a:endParaRPr lang="fr-FR"/>
+            <a:endParaRPr lang="fr-FR" dirty="0"/>
           </a:p>
         </p:txBody>
       </p:sp>
@@ -5242,7 +5243,7 @@
               </a:pPr>
               <a:t>‹N°›</a:t>
             </a:fld>
-            <a:endParaRPr lang="fr-FR"/>
+            <a:endParaRPr lang="fr-FR" dirty="0"/>
           </a:p>
         </p:txBody>
       </p:sp>
@@ -5451,9 +5452,9 @@
               <a:pPr>
                 <a:defRPr/>
               </a:pPr>
-              <a:t>05/01/2022</a:t>
+              <a:t>06/01/2022</a:t>
             </a:fld>
-            <a:endParaRPr lang="fr-FR"/>
+            <a:endParaRPr lang="fr-FR" dirty="0"/>
           </a:p>
         </p:txBody>
       </p:sp>
@@ -5475,7 +5476,7 @@
             <a:pPr>
               <a:defRPr/>
             </a:pPr>
-            <a:endParaRPr lang="fr-FR"/>
+            <a:endParaRPr lang="fr-FR" dirty="0"/>
           </a:p>
         </p:txBody>
       </p:sp>
@@ -5504,7 +5505,7 @@
               </a:pPr>
               <a:t>‹N°›</a:t>
             </a:fld>
-            <a:endParaRPr lang="fr-FR"/>
+            <a:endParaRPr lang="fr-FR" dirty="0"/>
           </a:p>
         </p:txBody>
       </p:sp>
@@ -5855,9 +5856,9 @@
               <a:pPr>
                 <a:defRPr/>
               </a:pPr>
-              <a:t>05/01/2022</a:t>
+              <a:t>06/01/2022</a:t>
             </a:fld>
-            <a:endParaRPr lang="fr-FR"/>
+            <a:endParaRPr lang="fr-FR" dirty="0"/>
           </a:p>
         </p:txBody>
       </p:sp>
@@ -5879,7 +5880,7 @@
             <a:pPr>
               <a:defRPr/>
             </a:pPr>
-            <a:endParaRPr lang="fr-FR"/>
+            <a:endParaRPr lang="fr-FR" dirty="0"/>
           </a:p>
         </p:txBody>
       </p:sp>
@@ -5908,7 +5909,7 @@
               </a:pPr>
               <a:t>‹N°›</a:t>
             </a:fld>
-            <a:endParaRPr lang="fr-FR"/>
+            <a:endParaRPr lang="fr-FR" dirty="0"/>
           </a:p>
         </p:txBody>
       </p:sp>
@@ -5999,9 +6000,9 @@
               <a:pPr>
                 <a:defRPr/>
               </a:pPr>
-              <a:t>05/01/2022</a:t>
+              <a:t>06/01/2022</a:t>
             </a:fld>
-            <a:endParaRPr lang="fr-FR"/>
+            <a:endParaRPr lang="fr-FR" dirty="0"/>
           </a:p>
         </p:txBody>
       </p:sp>
@@ -6023,7 +6024,7 @@
             <a:pPr>
               <a:defRPr/>
             </a:pPr>
-            <a:endParaRPr lang="fr-FR"/>
+            <a:endParaRPr lang="fr-FR" dirty="0"/>
           </a:p>
         </p:txBody>
       </p:sp>
@@ -6052,7 +6053,7 @@
               </a:pPr>
               <a:t>‹N°›</a:t>
             </a:fld>
-            <a:endParaRPr lang="fr-FR"/>
+            <a:endParaRPr lang="fr-FR" dirty="0"/>
           </a:p>
         </p:txBody>
       </p:sp>
@@ -6109,9 +6110,9 @@
               <a:pPr>
                 <a:defRPr/>
               </a:pPr>
-              <a:t>05/01/2022</a:t>
+              <a:t>06/01/2022</a:t>
             </a:fld>
-            <a:endParaRPr lang="fr-FR"/>
+            <a:endParaRPr lang="fr-FR" dirty="0"/>
           </a:p>
         </p:txBody>
       </p:sp>
@@ -6133,7 +6134,7 @@
             <a:pPr>
               <a:defRPr/>
             </a:pPr>
-            <a:endParaRPr lang="fr-FR"/>
+            <a:endParaRPr lang="fr-FR" dirty="0"/>
           </a:p>
         </p:txBody>
       </p:sp>
@@ -6162,7 +6163,7 @@
               </a:pPr>
               <a:t>‹N°›</a:t>
             </a:fld>
-            <a:endParaRPr lang="fr-FR"/>
+            <a:endParaRPr lang="fr-FR" dirty="0"/>
           </a:p>
         </p:txBody>
       </p:sp>
@@ -6379,9 +6380,9 @@
               <a:pPr>
                 <a:defRPr/>
               </a:pPr>
-              <a:t>05/01/2022</a:t>
+              <a:t>06/01/2022</a:t>
             </a:fld>
-            <a:endParaRPr lang="fr-FR"/>
+            <a:endParaRPr lang="fr-FR" dirty="0"/>
           </a:p>
         </p:txBody>
       </p:sp>
@@ -6403,7 +6404,7 @@
             <a:pPr>
               <a:defRPr/>
             </a:pPr>
-            <a:endParaRPr lang="fr-FR"/>
+            <a:endParaRPr lang="fr-FR" dirty="0"/>
           </a:p>
         </p:txBody>
       </p:sp>
@@ -6432,7 +6433,7 @@
               </a:pPr>
               <a:t>‹N°›</a:t>
             </a:fld>
-            <a:endParaRPr lang="fr-FR"/>
+            <a:endParaRPr lang="fr-FR" dirty="0"/>
           </a:p>
         </p:txBody>
       </p:sp>
@@ -6580,7 +6581,7 @@
           </a:lstStyle>
           <a:p>
             <a:r>
-              <a:rPr lang="fr-FR"/>
+              <a:rPr lang="fr-FR" dirty="0"/>
               <a:t>Cliquez sur l'icône pour ajouter une image</a:t>
             </a:r>
             <a:endParaRPr lang="en-US" dirty="0"/>
@@ -6677,9 +6678,9 @@
               <a:pPr>
                 <a:defRPr/>
               </a:pPr>
-              <a:t>05/01/2022</a:t>
+              <a:t>06/01/2022</a:t>
             </a:fld>
-            <a:endParaRPr lang="fr-FR"/>
+            <a:endParaRPr lang="fr-FR" dirty="0"/>
           </a:p>
         </p:txBody>
       </p:sp>
@@ -6706,7 +6707,7 @@
             <a:pPr>
               <a:defRPr/>
             </a:pPr>
-            <a:endParaRPr lang="fr-FR"/>
+            <a:endParaRPr lang="fr-FR" dirty="0"/>
           </a:p>
         </p:txBody>
       </p:sp>
@@ -6735,7 +6736,7 @@
               </a:pPr>
               <a:t>‹N°›</a:t>
             </a:fld>
-            <a:endParaRPr lang="fr-FR"/>
+            <a:endParaRPr lang="fr-FR" dirty="0"/>
           </a:p>
         </p:txBody>
       </p:sp>
@@ -7103,9 +7104,9 @@
               <a:pPr>
                 <a:defRPr/>
               </a:pPr>
-              <a:t>05/01/2022</a:t>
+              <a:t>06/01/2022</a:t>
             </a:fld>
-            <a:endParaRPr lang="fr-FR"/>
+            <a:endParaRPr lang="fr-FR" dirty="0"/>
           </a:p>
         </p:txBody>
       </p:sp>
@@ -7147,7 +7148,7 @@
             <a:pPr>
               <a:defRPr/>
             </a:pPr>
-            <a:endParaRPr lang="fr-FR"/>
+            <a:endParaRPr lang="fr-FR" dirty="0"/>
           </a:p>
         </p:txBody>
       </p:sp>
@@ -7196,7 +7197,7 @@
               </a:pPr>
               <a:t>‹N°›</a:t>
             </a:fld>
-            <a:endParaRPr lang="fr-FR"/>
+            <a:endParaRPr lang="fr-FR" dirty="0"/>
           </a:p>
         </p:txBody>
       </p:sp>
@@ -7683,7 +7684,7 @@
             </a:br>
             <a:r>
               <a:rPr sz="2000"/>
-              <a:t>The current document has been generated at 2022-01-05 15:48:26</a:t>
+              <a:t>The current document has been generated at 2022-01-06 10:25:22</a:t>
             </a:r>
             <a:br>
               <a:rPr sz="2000"/>
@@ -7975,6 +7976,592 @@
     <p:extLst>
       <p:ext uri="{BB962C8B-B14F-4D97-AF65-F5344CB8AC3E}">
         <p14:creationId xmlns:p14="http://schemas.microsoft.com/office/powerpoint/2010/main" val="275709240"/>
+      </p:ext>
+    </p:extLst>
+  </p:cSld>
+  <p:clrMapOvr>
+    <a:masterClrMapping/>
+  </p:clrMapOvr>
+</p:sld>
+</file>
+
+<file path=ppt/slides/slide6.xml><?xml version="1.0" encoding="utf-8"?>
+<p:sld xmlns:a="http://schemas.openxmlformats.org/drawingml/2006/main" xmlns:r="http://schemas.openxmlformats.org/officeDocument/2006/relationships" xmlns:p="http://schemas.openxmlformats.org/presentationml/2006/main">
+  <p:cSld>
+    <p:spTree>
+      <p:nvGrpSpPr>
+        <p:cNvPr id="1" name=""/>
+        <p:cNvGrpSpPr/>
+        <p:nvPr/>
+      </p:nvGrpSpPr>
+      <p:grpSpPr>
+        <a:xfrm>
+          <a:off x="0" y="0"/>
+          <a:ext cx="0" cy="0"/>
+          <a:chOff x="0" y="0"/>
+          <a:chExt cx="0" cy="0"/>
+        </a:xfrm>
+      </p:grpSpPr>
+      <p:graphicFrame>
+        <p:nvGraphicFramePr>
+          <p:cNvPr id="2" name="Tableau 1">
+            <a:extLst>
+              <a:ext uri="{FF2B5EF4-FFF2-40B4-BE49-F238E27FC236}">
+                <a16:creationId xmlns:a16="http://schemas.microsoft.com/office/drawing/2014/main" id="{F2989A05-44EC-4CAE-88B4-5D792275337F}"/>
+              </a:ext>
+            </a:extLst>
+          </p:cNvPr>
+          <p:cNvGraphicFramePr>
+            <a:graphicFrameLocks noGrp="1"/>
+          </p:cNvGraphicFramePr>
+          <p:nvPr>
+            <p:extLst>
+              <p:ext uri="{D42A27DB-BD31-4B8C-83A1-F6EECF244321}">
+                <p14:modId xmlns:p14="http://schemas.microsoft.com/office/powerpoint/2010/main" val="953416913"/>
+              </p:ext>
+            </p:extLst>
+          </p:nvPr>
+        </p:nvGraphicFramePr>
+        <p:xfrm>
+          <a:off x="467544" y="2042701"/>
+          <a:ext cx="8064897" cy="954251"/>
+        </p:xfrm>
+        <a:graphic>
+          <a:graphicData uri="http://schemas.openxmlformats.org/drawingml/2006/table">
+            <a:tbl>
+              <a:tblPr firstRow="1">
+                <a:tableStyleId>{5C22544A-7EE6-4342-B048-85BDC9FD1C3A}</a:tableStyleId>
+              </a:tblPr>
+              <a:tblGrid>
+                <a:gridCol w="2285291">
+                  <a:extLst>
+                    <a:ext uri="{9D8B030D-6E8A-4147-A177-3AD203B41FA5}">
+                      <a16:colId xmlns:a16="http://schemas.microsoft.com/office/drawing/2014/main" val="2950537842"/>
+                    </a:ext>
+                  </a:extLst>
+                </a:gridCol>
+                <a:gridCol w="2553647">
+                  <a:extLst>
+                    <a:ext uri="{9D8B030D-6E8A-4147-A177-3AD203B41FA5}">
+                      <a16:colId xmlns:a16="http://schemas.microsoft.com/office/drawing/2014/main" val="250726420"/>
+                    </a:ext>
+                  </a:extLst>
+                </a:gridCol>
+                <a:gridCol w="1747632">
+                  <a:extLst>
+                    <a:ext uri="{9D8B030D-6E8A-4147-A177-3AD203B41FA5}">
+                      <a16:colId xmlns:a16="http://schemas.microsoft.com/office/drawing/2014/main" val="3768577829"/>
+                    </a:ext>
+                  </a:extLst>
+                </a:gridCol>
+                <a:gridCol w="1478327">
+                  <a:extLst>
+                    <a:ext uri="{9D8B030D-6E8A-4147-A177-3AD203B41FA5}">
+                      <a16:colId xmlns:a16="http://schemas.microsoft.com/office/drawing/2014/main" val="3398917521"/>
+                    </a:ext>
+                  </a:extLst>
+                </a:gridCol>
+              </a:tblGrid>
+              <a:tr h="417019">
+                <a:tc>
+                  <a:txBody>
+                    <a:bodyPr/>
+                    <a:lstStyle/>
+                    <a:p>
+                      <a:pPr algn="ctr">
+                        <a:lnSpc>
+                          <a:spcPct val="115000"/>
+                        </a:lnSpc>
+                        <a:spcAft>
+                          <a:spcPts val="1000"/>
+                        </a:spcAft>
+                      </a:pPr>
+                      <a:r>
+                        <a:rPr sz="1100">
+                          <a:effectLst/>
+                        </a:rPr>
+                        <a:t>Rank</a:t>
+                      </a:r>
+                      <a:endParaRPr sz="1100">
+                        <a:effectLst/>
+                        <a:latin typeface="Calibri" panose="020F0502020204030204" pitchFamily="34" charset="0"/>
+                        <a:ea typeface="Calibri" panose="020F0502020204030204" pitchFamily="34" charset="0"/>
+                        <a:cs typeface="Times New Roman" panose="02020603050405020304" pitchFamily="18" charset="0"/>
+                      </a:endParaRPr>
+                    </a:p>
+                  </a:txBody>
+                  <a:tcPr marL="68580" marR="68580" marT="0" marB="0"/>
+                </a:tc>
+                <a:tc>
+                  <a:txBody>
+                    <a:bodyPr/>
+                    <a:lstStyle/>
+                    <a:p>
+                      <a:pPr algn="ctr">
+                        <a:lnSpc>
+                          <a:spcPct val="115000"/>
+                        </a:lnSpc>
+                        <a:spcAft>
+                          <a:spcPts val="1000"/>
+                        </a:spcAft>
+                      </a:pPr>
+                      <a:r>
+                        <a:rPr sz="1100">
+                          <a:effectLst/>
+                        </a:rPr>
+                        <a:t>First Name</a:t>
+                      </a:r>
+                      <a:endParaRPr sz="1100">
+                        <a:effectLst/>
+                        <a:latin typeface="Calibri" panose="020F0502020204030204" pitchFamily="34" charset="0"/>
+                        <a:ea typeface="Calibri" panose="020F0502020204030204" pitchFamily="34" charset="0"/>
+                        <a:cs typeface="Times New Roman" panose="02020603050405020304" pitchFamily="18" charset="0"/>
+                      </a:endParaRPr>
+                    </a:p>
+                  </a:txBody>
+                  <a:tcPr marL="68580" marR="68580" marT="0" marB="0" anchor="ctr"/>
+                </a:tc>
+                <a:tc>
+                  <a:txBody>
+                    <a:bodyPr/>
+                    <a:lstStyle/>
+                    <a:p>
+                      <a:pPr algn="ctr">
+                        <a:lnSpc>
+                          <a:spcPct val="115000"/>
+                        </a:lnSpc>
+                        <a:spcAft>
+                          <a:spcPts val="1000"/>
+                        </a:spcAft>
+                      </a:pPr>
+                      <a:r>
+                        <a:rPr sz="1100">
+                          <a:effectLst/>
+                        </a:rPr>
+                        <a:t>Name</a:t>
+                      </a:r>
+                      <a:endParaRPr sz="1100">
+                        <a:effectLst/>
+                        <a:latin typeface="Calibri" panose="020F0502020204030204" pitchFamily="34" charset="0"/>
+                        <a:ea typeface="Calibri" panose="020F0502020204030204" pitchFamily="34" charset="0"/>
+                        <a:cs typeface="Times New Roman" panose="02020603050405020304" pitchFamily="18" charset="0"/>
+                      </a:endParaRPr>
+                    </a:p>
+                  </a:txBody>
+                  <a:tcPr marL="68580" marR="68580" marT="0" marB="0" anchor="ctr"/>
+                </a:tc>
+                <a:tc>
+                  <a:txBody>
+                    <a:bodyPr/>
+                    <a:lstStyle/>
+                    <a:p>
+                      <a:pPr algn="ctr">
+                        <a:lnSpc>
+                          <a:spcPct val="115000"/>
+                        </a:lnSpc>
+                        <a:spcAft>
+                          <a:spcPts val="1000"/>
+                        </a:spcAft>
+                      </a:pPr>
+                      <a:r>
+                        <a:rPr sz="1100">
+                          <a:effectLst/>
+                        </a:rPr>
+                        <a:t>Membership number</a:t>
+                      </a:r>
+                      <a:endParaRPr sz="1100">
+                        <a:effectLst/>
+                        <a:latin typeface="Calibri" panose="020F0502020204030204" pitchFamily="34" charset="0"/>
+                        <a:ea typeface="Calibri" panose="020F0502020204030204" pitchFamily="34" charset="0"/>
+                        <a:cs typeface="Times New Roman" panose="02020603050405020304" pitchFamily="18" charset="0"/>
+                      </a:endParaRPr>
+                    </a:p>
+                  </a:txBody>
+                  <a:tcPr marL="68580" marR="68580" marT="0" marB="0" anchor="ctr"/>
+                </a:tc>
+                <a:extLst>
+                  <a:ext uri="{0D108BD9-81ED-4DB2-BD59-A6C34878D82A}">
+                    <a16:rowId xmlns:a16="http://schemas.microsoft.com/office/drawing/2014/main" val="2074020687"/>
+                  </a:ext>
+                </a:extLst>
+              </a:tr>
+              <a:tr h="537232">
+                <a:tc>
+                  <a:txBody>
+                    <a:bodyPr/>
+                    <a:lstStyle/>
+                    <a:p>
+                      <a:pPr>
+                        <a:lnSpc>
+                          <a:spcPct val="115000"/>
+                        </a:lnSpc>
+                        <a:spcAft>
+                          <a:spcPts val="1000"/>
+                        </a:spcAft>
+                      </a:pPr>
+                      <a:r>
+                        <a:rPr sz="1100">
+                          <a:effectLst/>
+                        </a:rPr>
+                        <a:t>A</a:t>
+                      </a:r>
+                      <a:endParaRPr sz="1100">
+                        <a:effectLst/>
+                        <a:latin typeface="Calibri" panose="020F0502020204030204" pitchFamily="34" charset="0"/>
+                        <a:ea typeface="Calibri" panose="020F0502020204030204" pitchFamily="34" charset="0"/>
+                        <a:cs typeface="Times New Roman" panose="02020603050405020304" pitchFamily="18" charset="0"/>
+                      </a:endParaRPr>
+                    </a:p>
+                  </a:txBody>
+                  <a:tcPr marL="68580" marR="68580" marT="0" marB="0" anchor="ctr"/>
+                </a:tc>
+                <a:tc>
+                  <a:txBody>
+                    <a:bodyPr/>
+                    <a:lstStyle/>
+                    <a:p>
+                      <a:pPr>
+                        <a:lnSpc>
+                          <a:spcPct val="115000"/>
+                        </a:lnSpc>
+                        <a:spcAft>
+                          <a:spcPts val="1000"/>
+                        </a:spcAft>
+                      </a:pPr>
+                      <a:r>
+                        <a:rPr sz="1100">
+                          <a:effectLst/>
+                        </a:rPr>
+                        <a:t>Sandra</a:t>
+                      </a:r>
+                      <a:endParaRPr sz="1100">
+                        <a:effectLst/>
+                        <a:latin typeface="Calibri" panose="020F0502020204030204" pitchFamily="34" charset="0"/>
+                        <a:ea typeface="Calibri" panose="020F0502020204030204" pitchFamily="34" charset="0"/>
+                        <a:cs typeface="Times New Roman" panose="02020603050405020304" pitchFamily="18" charset="0"/>
+                      </a:endParaRPr>
+                    </a:p>
+                  </a:txBody>
+                  <a:tcPr marL="68580" marR="68580" marT="0" marB="0" anchor="ctr"/>
+                </a:tc>
+                <a:tc>
+                  <a:txBody>
+                    <a:bodyPr/>
+                    <a:lstStyle/>
+                    <a:p>
+                      <a:pPr>
+                        <a:lnSpc>
+                          <a:spcPct val="115000"/>
+                        </a:lnSpc>
+                        <a:spcAft>
+                          <a:spcPts val="1000"/>
+                        </a:spcAft>
+                      </a:pPr>
+                      <a:r>
+                        <a:rPr sz="1100">
+                          <a:effectLst/>
+                        </a:rPr>
+                        <a:t>Hill</a:t>
+                      </a:r>
+                      <a:endParaRPr sz="1100">
+                        <a:effectLst/>
+                        <a:latin typeface="Calibri" panose="020F0502020204030204" pitchFamily="34" charset="0"/>
+                        <a:ea typeface="Calibri" panose="020F0502020204030204" pitchFamily="34" charset="0"/>
+                        <a:cs typeface="Times New Roman" panose="02020603050405020304" pitchFamily="18" charset="0"/>
+                      </a:endParaRPr>
+                    </a:p>
+                  </a:txBody>
+                  <a:tcPr marL="68580" marR="68580" marT="0" marB="0" anchor="ctr"/>
+                </a:tc>
+                <a:tc>
+                  <a:txBody>
+                    <a:bodyPr/>
+                    <a:lstStyle/>
+                    <a:p>
+                      <a:pPr>
+                        <a:lnSpc>
+                          <a:spcPct val="115000"/>
+                        </a:lnSpc>
+                        <a:spcAft>
+                          <a:spcPts val="1000"/>
+                        </a:spcAft>
+                      </a:pPr>
+                      <a:r>
+                        <a:rPr sz="1100">
+                          <a:effectLst/>
+                        </a:rPr>
+                        <a:t>1523d</a:t>
+                      </a:r>
+                      <a:endParaRPr sz="1100">
+                        <a:effectLst/>
+                        <a:latin typeface="Calibri" panose="020F0502020204030204" pitchFamily="34" charset="0"/>
+                        <a:ea typeface="Calibri" panose="020F0502020204030204" pitchFamily="34" charset="0"/>
+                        <a:cs typeface="Times New Roman" panose="02020603050405020304" pitchFamily="18" charset="0"/>
+                      </a:endParaRPr>
+                    </a:p>
+                  </a:txBody>
+                  <a:tcPr marL="68580" marR="68580" marT="0" marB="0" anchor="ctr"/>
+                </a:tc>
+                <a:extLst>
+                  <a:ext uri="{0D108BD9-81ED-4DB2-BD59-A6C34878D82A}">
+                    <a16:rowId xmlns:a16="http://schemas.microsoft.com/office/drawing/2014/main" val="459926689"/>
+                  </a:ext>
+                </a:extLst>
+              </a:tr>
+              <a:tr h="537232">
+                <a:tc>
+                  <a:txBody>
+                    <a:bodyPr/>
+                    <a:lstStyle/>
+                    <a:p>
+                      <a:pPr>
+                        <a:lnSpc>
+                          <a:spcPct val="115000"/>
+                        </a:lnSpc>
+                        <a:spcAft>
+                          <a:spcPts val="1000"/>
+                        </a:spcAft>
+                      </a:pPr>
+                      <a:r>
+                        <a:rPr sz="1100">
+                          <a:effectLst/>
+                        </a:rPr>
+                        <a:t>A</a:t>
+                      </a:r>
+                      <a:endParaRPr sz="1100">
+                        <a:effectLst/>
+                        <a:latin typeface="Calibri" panose="020F0502020204030204" pitchFamily="34" charset="0"/>
+                        <a:ea typeface="Calibri" panose="020F0502020204030204" pitchFamily="34" charset="0"/>
+                        <a:cs typeface="Times New Roman" panose="02020603050405020304" pitchFamily="18" charset="0"/>
+                      </a:endParaRPr>
+                    </a:p>
+                  </a:txBody>
+                  <a:tcPr marL="68580" marR="68580" marT="0" marB="0" anchor="ctr"/>
+                </a:tc>
+                <a:tc>
+                  <a:txBody>
+                    <a:bodyPr/>
+                    <a:lstStyle/>
+                    <a:p>
+                      <a:pPr>
+                        <a:lnSpc>
+                          <a:spcPct val="115000"/>
+                        </a:lnSpc>
+                        <a:spcAft>
+                          <a:spcPts val="1000"/>
+                        </a:spcAft>
+                      </a:pPr>
+                      <a:r>
+                        <a:rPr sz="1100">
+                          <a:effectLst/>
+                        </a:rPr>
+                        <a:t>Roger</a:t>
+                      </a:r>
+                      <a:endParaRPr sz="1100">
+                        <a:effectLst/>
+                        <a:latin typeface="Calibri" panose="020F0502020204030204" pitchFamily="34" charset="0"/>
+                        <a:ea typeface="Calibri" panose="020F0502020204030204" pitchFamily="34" charset="0"/>
+                        <a:cs typeface="Times New Roman" panose="02020603050405020304" pitchFamily="18" charset="0"/>
+                      </a:endParaRPr>
+                    </a:p>
+                  </a:txBody>
+                  <a:tcPr marL="68580" marR="68580" marT="0" marB="0" anchor="ctr"/>
+                </a:tc>
+                <a:tc>
+                  <a:txBody>
+                    <a:bodyPr/>
+                    <a:lstStyle/>
+                    <a:p>
+                      <a:pPr>
+                        <a:lnSpc>
+                          <a:spcPct val="115000"/>
+                        </a:lnSpc>
+                        <a:spcAft>
+                          <a:spcPts val="1000"/>
+                        </a:spcAft>
+                      </a:pPr>
+                      <a:r>
+                        <a:rPr sz="1100">
+                          <a:effectLst/>
+                        </a:rPr>
+                        <a:t>Smith</a:t>
+                      </a:r>
+                      <a:endParaRPr sz="1100">
+                        <a:effectLst/>
+                        <a:latin typeface="Calibri" panose="020F0502020204030204" pitchFamily="34" charset="0"/>
+                        <a:ea typeface="Calibri" panose="020F0502020204030204" pitchFamily="34" charset="0"/>
+                        <a:cs typeface="Times New Roman" panose="02020603050405020304" pitchFamily="18" charset="0"/>
+                      </a:endParaRPr>
+                    </a:p>
+                  </a:txBody>
+                  <a:tcPr marL="68580" marR="68580" marT="0" marB="0" anchor="ctr"/>
+                </a:tc>
+                <a:tc>
+                  <a:txBody>
+                    <a:bodyPr/>
+                    <a:lstStyle/>
+                    <a:p>
+                      <a:pPr>
+                        <a:lnSpc>
+                          <a:spcPct val="115000"/>
+                        </a:lnSpc>
+                        <a:spcAft>
+                          <a:spcPts val="1000"/>
+                        </a:spcAft>
+                      </a:pPr>
+                      <a:r>
+                        <a:rPr sz="1100">
+                          <a:effectLst/>
+                        </a:rPr>
+                        <a:t>1234f</a:t>
+                      </a:r>
+                      <a:endParaRPr sz="1100">
+                        <a:effectLst/>
+                        <a:latin typeface="Calibri" panose="020F0502020204030204" pitchFamily="34" charset="0"/>
+                        <a:ea typeface="Calibri" panose="020F0502020204030204" pitchFamily="34" charset="0"/>
+                        <a:cs typeface="Times New Roman" panose="02020603050405020304" pitchFamily="18" charset="0"/>
+                      </a:endParaRPr>
+                    </a:p>
+                  </a:txBody>
+                  <a:tcPr marL="68580" marR="68580" marT="0" marB="0" anchor="ctr"/>
+                </a:tc>
+                <a:extLst>
+                  <a:ext uri="{0D108BD9-81ED-4DB2-BD59-A6C34878D82A}">
+                    <a16:rowId xmlns:a16="http://schemas.microsoft.com/office/drawing/2014/main" val="459926689"/>
+                  </a:ext>
+                </a:extLst>
+              </a:tr>
+              <a:tr h="537232">
+                <a:tc>
+                  <a:txBody>
+                    <a:bodyPr/>
+                    <a:lstStyle/>
+                    <a:p>
+                      <a:pPr>
+                        <a:lnSpc>
+                          <a:spcPct val="115000"/>
+                        </a:lnSpc>
+                        <a:spcAft>
+                          <a:spcPts val="1000"/>
+                        </a:spcAft>
+                      </a:pPr>
+                      <a:r>
+                        <a:rPr sz="1100">
+                          <a:effectLst/>
+                        </a:rPr>
+                        <a:t>B</a:t>
+                      </a:r>
+                      <a:endParaRPr sz="1100">
+                        <a:effectLst/>
+                        <a:latin typeface="Calibri" panose="020F0502020204030204" pitchFamily="34" charset="0"/>
+                        <a:ea typeface="Calibri" panose="020F0502020204030204" pitchFamily="34" charset="0"/>
+                        <a:cs typeface="Times New Roman" panose="02020603050405020304" pitchFamily="18" charset="0"/>
+                      </a:endParaRPr>
+                    </a:p>
+                  </a:txBody>
+                  <a:tcPr marL="68580" marR="68580" marT="0" marB="0" anchor="ctr"/>
+                </a:tc>
+                <a:tc>
+                  <a:txBody>
+                    <a:bodyPr/>
+                    <a:lstStyle/>
+                    <a:p>
+                      <a:pPr>
+                        <a:lnSpc>
+                          <a:spcPct val="115000"/>
+                        </a:lnSpc>
+                        <a:spcAft>
+                          <a:spcPts val="1000"/>
+                        </a:spcAft>
+                      </a:pPr>
+                      <a:r>
+                        <a:rPr sz="1100">
+                          <a:effectLst/>
+                        </a:rPr>
+                        <a:t>William</a:t>
+                      </a:r>
+                      <a:endParaRPr sz="1100">
+                        <a:effectLst/>
+                        <a:latin typeface="Calibri" panose="020F0502020204030204" pitchFamily="34" charset="0"/>
+                        <a:ea typeface="Calibri" panose="020F0502020204030204" pitchFamily="34" charset="0"/>
+                        <a:cs typeface="Times New Roman" panose="02020603050405020304" pitchFamily="18" charset="0"/>
+                      </a:endParaRPr>
+                    </a:p>
+                  </a:txBody>
+                  <a:tcPr marL="68580" marR="68580" marT="0" marB="0" anchor="ctr"/>
+                </a:tc>
+                <a:tc>
+                  <a:txBody>
+                    <a:bodyPr/>
+                    <a:lstStyle/>
+                    <a:p>
+                      <a:pPr>
+                        <a:lnSpc>
+                          <a:spcPct val="115000"/>
+                        </a:lnSpc>
+                        <a:spcAft>
+                          <a:spcPts val="1000"/>
+                        </a:spcAft>
+                      </a:pPr>
+                      <a:r>
+                        <a:rPr sz="1100">
+                          <a:effectLst/>
+                        </a:rPr>
+                        <a:t>Mac Dowell</a:t>
+                      </a:r>
+                      <a:endParaRPr sz="1100">
+                        <a:effectLst/>
+                        <a:latin typeface="Calibri" panose="020F0502020204030204" pitchFamily="34" charset="0"/>
+                        <a:ea typeface="Calibri" panose="020F0502020204030204" pitchFamily="34" charset="0"/>
+                        <a:cs typeface="Times New Roman" panose="02020603050405020304" pitchFamily="18" charset="0"/>
+                      </a:endParaRPr>
+                    </a:p>
+                  </a:txBody>
+                  <a:tcPr marL="68580" marR="68580" marT="0" marB="0" anchor="ctr"/>
+                </a:tc>
+                <a:tc>
+                  <a:txBody>
+                    <a:bodyPr/>
+                    <a:lstStyle/>
+                    <a:p>
+                      <a:pPr>
+                        <a:lnSpc>
+                          <a:spcPct val="115000"/>
+                        </a:lnSpc>
+                        <a:spcAft>
+                          <a:spcPts val="1000"/>
+                        </a:spcAft>
+                      </a:pPr>
+                      <a:r>
+                        <a:rPr sz="1100">
+                          <a:effectLst/>
+                        </a:rPr>
+                        <a:t>5491y</a:t>
+                      </a:r>
+                      <a:endParaRPr sz="1100">
+                        <a:effectLst/>
+                        <a:latin typeface="Calibri" panose="020F0502020204030204" pitchFamily="34" charset="0"/>
+                        <a:ea typeface="Calibri" panose="020F0502020204030204" pitchFamily="34" charset="0"/>
+                        <a:cs typeface="Times New Roman" panose="02020603050405020304" pitchFamily="18" charset="0"/>
+                      </a:endParaRPr>
+                    </a:p>
+                  </a:txBody>
+                  <a:tcPr marL="68580" marR="68580" marT="0" marB="0" anchor="ctr"/>
+                </a:tc>
+                <a:extLst>
+                  <a:ext uri="{0D108BD9-81ED-4DB2-BD59-A6C34878D82A}">
+                    <a16:rowId xmlns:a16="http://schemas.microsoft.com/office/drawing/2014/main" val="459926689"/>
+                  </a:ext>
+                </a:extLst>
+              </a:tr>
+            </a:tbl>
+          </a:graphicData>
+        </a:graphic>
+      </p:graphicFrame>
+    </p:spTree>
+    <p:extLst>
+      <p:ext uri="{BB962C8B-B14F-4D97-AF65-F5344CB8AC3E}">
+        <p14:creationId xmlns:p14="http://schemas.microsoft.com/office/powerpoint/2010/main" val="2774703312"/>
       </p:ext>
     </p:extLst>
   </p:cSld>

--- a/tests/salut.pptx
+++ b/tests/salut.pptx
@@ -6,7 +6,7 @@
   </p:sldMasterIdLst>
   <p:sldIdLst>
     <p:sldId id="256" r:id="rId2"/>
-    <p:sldId id="257" r:id="rId3"/>
+    <p:sldId id="257" r:id="rId4"/>
     <p:sldId id="258" r:id="rId5"/>
     <p:sldId id="259" r:id="rId6"/>
     <p:sldId id="261" r:id="rId7"/>
@@ -2439,9 +2439,9 @@
               <a:pPr>
                 <a:defRPr/>
               </a:pPr>
-              <a:t>06/01/2022</a:t>
+              <a:t>10/01/2022</a:t>
             </a:fld>
-            <a:endParaRPr lang="fr-FR" dirty="0"/>
+            <a:endParaRPr lang="fr-FR"/>
           </a:p>
         </p:txBody>
       </p:sp>
@@ -2463,7 +2463,7 @@
             <a:pPr>
               <a:defRPr/>
             </a:pPr>
-            <a:endParaRPr lang="fr-FR" dirty="0"/>
+            <a:endParaRPr lang="fr-FR"/>
           </a:p>
         </p:txBody>
       </p:sp>
@@ -2492,7 +2492,7 @@
               </a:pPr>
               <a:t>‹N°›</a:t>
             </a:fld>
-            <a:endParaRPr lang="fr-FR" dirty="0"/>
+            <a:endParaRPr lang="fr-FR"/>
           </a:p>
         </p:txBody>
       </p:sp>
@@ -2634,10 +2634,10 @@
           </a:lstStyle>
           <a:p>
             <a:r>
-              <a:rPr lang="fr-FR" dirty="0"/>
+              <a:rPr lang="fr-FR"/>
               <a:t>Cliquez sur l'icône pour ajouter une image</a:t>
             </a:r>
-            <a:endParaRPr lang="en-US" dirty="0"/>
+            <a:endParaRPr lang="en-US"/>
           </a:p>
         </p:txBody>
       </p:sp>
@@ -2720,9 +2720,9 @@
               <a:pPr>
                 <a:defRPr/>
               </a:pPr>
-              <a:t>06/01/2022</a:t>
+              <a:t>10/01/2022</a:t>
             </a:fld>
-            <a:endParaRPr lang="fr-FR" dirty="0"/>
+            <a:endParaRPr lang="fr-FR"/>
           </a:p>
         </p:txBody>
       </p:sp>
@@ -2744,7 +2744,7 @@
             <a:pPr>
               <a:defRPr/>
             </a:pPr>
-            <a:endParaRPr lang="fr-FR" dirty="0"/>
+            <a:endParaRPr lang="fr-FR"/>
           </a:p>
         </p:txBody>
       </p:sp>
@@ -2773,7 +2773,7 @@
               </a:pPr>
               <a:t>‹N°›</a:t>
             </a:fld>
-            <a:endParaRPr lang="fr-FR" dirty="0"/>
+            <a:endParaRPr lang="fr-FR"/>
           </a:p>
         </p:txBody>
       </p:sp>
@@ -2983,9 +2983,9 @@
               <a:pPr>
                 <a:defRPr/>
               </a:pPr>
-              <a:t>06/01/2022</a:t>
+              <a:t>10/01/2022</a:t>
             </a:fld>
-            <a:endParaRPr lang="fr-FR" dirty="0"/>
+            <a:endParaRPr lang="fr-FR"/>
           </a:p>
         </p:txBody>
       </p:sp>
@@ -3007,7 +3007,7 @@
             <a:pPr>
               <a:defRPr/>
             </a:pPr>
-            <a:endParaRPr lang="fr-FR" dirty="0"/>
+            <a:endParaRPr lang="fr-FR"/>
           </a:p>
         </p:txBody>
       </p:sp>
@@ -3036,7 +3036,7 @@
               </a:pPr>
               <a:t>‹N°›</a:t>
             </a:fld>
-            <a:endParaRPr lang="fr-FR" dirty="0"/>
+            <a:endParaRPr lang="fr-FR"/>
           </a:p>
         </p:txBody>
       </p:sp>
@@ -3304,9 +3304,9 @@
               <a:pPr>
                 <a:defRPr/>
               </a:pPr>
-              <a:t>06/01/2022</a:t>
+              <a:t>10/01/2022</a:t>
             </a:fld>
-            <a:endParaRPr lang="fr-FR" dirty="0"/>
+            <a:endParaRPr lang="fr-FR"/>
           </a:p>
         </p:txBody>
       </p:sp>
@@ -3328,7 +3328,7 @@
             <a:pPr>
               <a:defRPr/>
             </a:pPr>
-            <a:endParaRPr lang="fr-FR" dirty="0"/>
+            <a:endParaRPr lang="fr-FR"/>
           </a:p>
         </p:txBody>
       </p:sp>
@@ -3357,7 +3357,7 @@
               </a:pPr>
               <a:t>‹N°›</a:t>
             </a:fld>
-            <a:endParaRPr lang="fr-FR" dirty="0"/>
+            <a:endParaRPr lang="fr-FR"/>
           </a:p>
         </p:txBody>
       </p:sp>
@@ -3384,7 +3384,7 @@
           <a:p>
             <a:pPr lvl="0"/>
             <a:r>
-              <a:rPr lang="en-US" sz="8000" dirty="0">
+              <a:rPr lang="en-US" sz="8000">
                 <a:solidFill>
                   <a:schemeClr val="tx1"/>
                 </a:solidFill>
@@ -3418,7 +3418,7 @@
           <a:p>
             <a:pPr lvl="0" algn="r"/>
             <a:r>
-              <a:rPr lang="en-US" sz="8000" dirty="0">
+              <a:rPr lang="en-US" sz="8000">
                 <a:solidFill>
                   <a:schemeClr val="tx1"/>
                 </a:solidFill>
@@ -3635,9 +3635,9 @@
               <a:pPr>
                 <a:defRPr/>
               </a:pPr>
-              <a:t>06/01/2022</a:t>
+              <a:t>10/01/2022</a:t>
             </a:fld>
-            <a:endParaRPr lang="fr-FR" dirty="0"/>
+            <a:endParaRPr lang="fr-FR"/>
           </a:p>
         </p:txBody>
       </p:sp>
@@ -3659,7 +3659,7 @@
             <a:pPr>
               <a:defRPr/>
             </a:pPr>
-            <a:endParaRPr lang="fr-FR" dirty="0"/>
+            <a:endParaRPr lang="fr-FR"/>
           </a:p>
         </p:txBody>
       </p:sp>
@@ -3688,7 +3688,7 @@
               </a:pPr>
               <a:t>‹N°›</a:t>
             </a:fld>
-            <a:endParaRPr lang="fr-FR" dirty="0"/>
+            <a:endParaRPr lang="fr-FR"/>
           </a:p>
         </p:txBody>
       </p:sp>
@@ -3950,9 +3950,9 @@
               <a:pPr>
                 <a:defRPr/>
               </a:pPr>
-              <a:t>06/01/2022</a:t>
+              <a:t>10/01/2022</a:t>
             </a:fld>
-            <a:endParaRPr lang="fr-FR" dirty="0"/>
+            <a:endParaRPr lang="fr-FR"/>
           </a:p>
         </p:txBody>
       </p:sp>
@@ -3974,7 +3974,7 @@
             <a:pPr>
               <a:defRPr/>
             </a:pPr>
-            <a:endParaRPr lang="fr-FR" dirty="0"/>
+            <a:endParaRPr lang="fr-FR"/>
           </a:p>
         </p:txBody>
       </p:sp>
@@ -4003,7 +4003,7 @@
               </a:pPr>
               <a:t>‹N°›</a:t>
             </a:fld>
-            <a:endParaRPr lang="fr-FR" dirty="0"/>
+            <a:endParaRPr lang="fr-FR"/>
           </a:p>
         </p:txBody>
       </p:sp>
@@ -4030,7 +4030,7 @@
           <a:p>
             <a:pPr lvl="0"/>
             <a:r>
-              <a:rPr lang="en-US" sz="8000" dirty="0">
+              <a:rPr lang="en-US" sz="8000">
                 <a:solidFill>
                   <a:schemeClr val="tx1"/>
                 </a:solidFill>
@@ -4064,7 +4064,7 @@
           <a:p>
             <a:pPr lvl="0" algn="r"/>
             <a:r>
-              <a:rPr lang="en-US" sz="8000" dirty="0">
+              <a:rPr lang="en-US" sz="8000">
                 <a:solidFill>
                   <a:schemeClr val="tx1"/>
                 </a:solidFill>
@@ -4330,9 +4330,9 @@
               <a:pPr>
                 <a:defRPr/>
               </a:pPr>
-              <a:t>06/01/2022</a:t>
+              <a:t>10/01/2022</a:t>
             </a:fld>
-            <a:endParaRPr lang="fr-FR" dirty="0"/>
+            <a:endParaRPr lang="fr-FR"/>
           </a:p>
         </p:txBody>
       </p:sp>
@@ -4354,7 +4354,7 @@
             <a:pPr>
               <a:defRPr/>
             </a:pPr>
-            <a:endParaRPr lang="fr-FR" dirty="0"/>
+            <a:endParaRPr lang="fr-FR"/>
           </a:p>
         </p:txBody>
       </p:sp>
@@ -4383,7 +4383,7 @@
               </a:pPr>
               <a:t>‹N°›</a:t>
             </a:fld>
-            <a:endParaRPr lang="fr-FR" dirty="0"/>
+            <a:endParaRPr lang="fr-FR"/>
           </a:p>
         </p:txBody>
       </p:sp>
@@ -4531,9 +4531,9 @@
               <a:pPr>
                 <a:defRPr/>
               </a:pPr>
-              <a:t>06/01/2022</a:t>
+              <a:t>10/01/2022</a:t>
             </a:fld>
-            <a:endParaRPr lang="fr-FR" dirty="0"/>
+            <a:endParaRPr lang="fr-FR"/>
           </a:p>
         </p:txBody>
       </p:sp>
@@ -4555,7 +4555,7 @@
             <a:pPr>
               <a:defRPr/>
             </a:pPr>
-            <a:endParaRPr lang="fr-FR" dirty="0"/>
+            <a:endParaRPr lang="fr-FR"/>
           </a:p>
         </p:txBody>
       </p:sp>
@@ -4584,7 +4584,7 @@
               </a:pPr>
               <a:t>‹N°›</a:t>
             </a:fld>
-            <a:endParaRPr lang="fr-FR" dirty="0"/>
+            <a:endParaRPr lang="fr-FR"/>
           </a:p>
         </p:txBody>
       </p:sp>
@@ -4732,9 +4732,9 @@
               <a:pPr>
                 <a:defRPr/>
               </a:pPr>
-              <a:t>06/01/2022</a:t>
+              <a:t>10/01/2022</a:t>
             </a:fld>
-            <a:endParaRPr lang="fr-FR" dirty="0"/>
+            <a:endParaRPr lang="fr-FR"/>
           </a:p>
         </p:txBody>
       </p:sp>
@@ -4756,7 +4756,7 @@
             <a:pPr>
               <a:defRPr/>
             </a:pPr>
-            <a:endParaRPr lang="fr-FR" dirty="0"/>
+            <a:endParaRPr lang="fr-FR"/>
           </a:p>
         </p:txBody>
       </p:sp>
@@ -4785,7 +4785,7 @@
               </a:pPr>
               <a:t>‹N°›</a:t>
             </a:fld>
-            <a:endParaRPr lang="fr-FR" dirty="0"/>
+            <a:endParaRPr lang="fr-FR"/>
           </a:p>
         </p:txBody>
       </p:sp>
@@ -4927,9 +4927,9 @@
               <a:pPr>
                 <a:defRPr/>
               </a:pPr>
-              <a:t>06/01/2022</a:t>
+              <a:t>10/01/2022</a:t>
             </a:fld>
-            <a:endParaRPr lang="fr-FR" dirty="0"/>
+            <a:endParaRPr lang="fr-FR"/>
           </a:p>
         </p:txBody>
       </p:sp>
@@ -4951,7 +4951,7 @@
             <a:pPr>
               <a:defRPr/>
             </a:pPr>
-            <a:endParaRPr lang="fr-FR" dirty="0"/>
+            <a:endParaRPr lang="fr-FR"/>
           </a:p>
         </p:txBody>
       </p:sp>
@@ -4980,7 +4980,7 @@
               </a:pPr>
               <a:t>‹N°›</a:t>
             </a:fld>
-            <a:endParaRPr lang="fr-FR" dirty="0"/>
+            <a:endParaRPr lang="fr-FR"/>
           </a:p>
         </p:txBody>
       </p:sp>
@@ -5190,9 +5190,9 @@
               <a:pPr>
                 <a:defRPr/>
               </a:pPr>
-              <a:t>06/01/2022</a:t>
+              <a:t>10/01/2022</a:t>
             </a:fld>
-            <a:endParaRPr lang="fr-FR" dirty="0"/>
+            <a:endParaRPr lang="fr-FR"/>
           </a:p>
         </p:txBody>
       </p:sp>
@@ -5214,7 +5214,7 @@
             <a:pPr>
               <a:defRPr/>
             </a:pPr>
-            <a:endParaRPr lang="fr-FR" dirty="0"/>
+            <a:endParaRPr lang="fr-FR"/>
           </a:p>
         </p:txBody>
       </p:sp>
@@ -5243,7 +5243,7 @@
               </a:pPr>
               <a:t>‹N°›</a:t>
             </a:fld>
-            <a:endParaRPr lang="fr-FR" dirty="0"/>
+            <a:endParaRPr lang="fr-FR"/>
           </a:p>
         </p:txBody>
       </p:sp>
@@ -5452,9 +5452,9 @@
               <a:pPr>
                 <a:defRPr/>
               </a:pPr>
-              <a:t>06/01/2022</a:t>
+              <a:t>10/01/2022</a:t>
             </a:fld>
-            <a:endParaRPr lang="fr-FR" dirty="0"/>
+            <a:endParaRPr lang="fr-FR"/>
           </a:p>
         </p:txBody>
       </p:sp>
@@ -5476,7 +5476,7 @@
             <a:pPr>
               <a:defRPr/>
             </a:pPr>
-            <a:endParaRPr lang="fr-FR" dirty="0"/>
+            <a:endParaRPr lang="fr-FR"/>
           </a:p>
         </p:txBody>
       </p:sp>
@@ -5505,7 +5505,7 @@
               </a:pPr>
               <a:t>‹N°›</a:t>
             </a:fld>
-            <a:endParaRPr lang="fr-FR" dirty="0"/>
+            <a:endParaRPr lang="fr-FR"/>
           </a:p>
         </p:txBody>
       </p:sp>
@@ -5856,9 +5856,9 @@
               <a:pPr>
                 <a:defRPr/>
               </a:pPr>
-              <a:t>06/01/2022</a:t>
+              <a:t>10/01/2022</a:t>
             </a:fld>
-            <a:endParaRPr lang="fr-FR" dirty="0"/>
+            <a:endParaRPr lang="fr-FR"/>
           </a:p>
         </p:txBody>
       </p:sp>
@@ -5880,7 +5880,7 @@
             <a:pPr>
               <a:defRPr/>
             </a:pPr>
-            <a:endParaRPr lang="fr-FR" dirty="0"/>
+            <a:endParaRPr lang="fr-FR"/>
           </a:p>
         </p:txBody>
       </p:sp>
@@ -5909,7 +5909,7 @@
               </a:pPr>
               <a:t>‹N°›</a:t>
             </a:fld>
-            <a:endParaRPr lang="fr-FR" dirty="0"/>
+            <a:endParaRPr lang="fr-FR"/>
           </a:p>
         </p:txBody>
       </p:sp>
@@ -6000,9 +6000,9 @@
               <a:pPr>
                 <a:defRPr/>
               </a:pPr>
-              <a:t>06/01/2022</a:t>
+              <a:t>10/01/2022</a:t>
             </a:fld>
-            <a:endParaRPr lang="fr-FR" dirty="0"/>
+            <a:endParaRPr lang="fr-FR"/>
           </a:p>
         </p:txBody>
       </p:sp>
@@ -6024,7 +6024,7 @@
             <a:pPr>
               <a:defRPr/>
             </a:pPr>
-            <a:endParaRPr lang="fr-FR" dirty="0"/>
+            <a:endParaRPr lang="fr-FR"/>
           </a:p>
         </p:txBody>
       </p:sp>
@@ -6053,7 +6053,7 @@
               </a:pPr>
               <a:t>‹N°›</a:t>
             </a:fld>
-            <a:endParaRPr lang="fr-FR" dirty="0"/>
+            <a:endParaRPr lang="fr-FR"/>
           </a:p>
         </p:txBody>
       </p:sp>
@@ -6110,9 +6110,9 @@
               <a:pPr>
                 <a:defRPr/>
               </a:pPr>
-              <a:t>06/01/2022</a:t>
+              <a:t>10/01/2022</a:t>
             </a:fld>
-            <a:endParaRPr lang="fr-FR" dirty="0"/>
+            <a:endParaRPr lang="fr-FR"/>
           </a:p>
         </p:txBody>
       </p:sp>
@@ -6134,7 +6134,7 @@
             <a:pPr>
               <a:defRPr/>
             </a:pPr>
-            <a:endParaRPr lang="fr-FR" dirty="0"/>
+            <a:endParaRPr lang="fr-FR"/>
           </a:p>
         </p:txBody>
       </p:sp>
@@ -6163,7 +6163,7 @@
               </a:pPr>
               <a:t>‹N°›</a:t>
             </a:fld>
-            <a:endParaRPr lang="fr-FR" dirty="0"/>
+            <a:endParaRPr lang="fr-FR"/>
           </a:p>
         </p:txBody>
       </p:sp>
@@ -6380,9 +6380,9 @@
               <a:pPr>
                 <a:defRPr/>
               </a:pPr>
-              <a:t>06/01/2022</a:t>
+              <a:t>10/01/2022</a:t>
             </a:fld>
-            <a:endParaRPr lang="fr-FR" dirty="0"/>
+            <a:endParaRPr lang="fr-FR"/>
           </a:p>
         </p:txBody>
       </p:sp>
@@ -6404,7 +6404,7 @@
             <a:pPr>
               <a:defRPr/>
             </a:pPr>
-            <a:endParaRPr lang="fr-FR" dirty="0"/>
+            <a:endParaRPr lang="fr-FR"/>
           </a:p>
         </p:txBody>
       </p:sp>
@@ -6433,7 +6433,7 @@
               </a:pPr>
               <a:t>‹N°›</a:t>
             </a:fld>
-            <a:endParaRPr lang="fr-FR" dirty="0"/>
+            <a:endParaRPr lang="fr-FR"/>
           </a:p>
         </p:txBody>
       </p:sp>
@@ -6581,10 +6581,10 @@
           </a:lstStyle>
           <a:p>
             <a:r>
-              <a:rPr lang="fr-FR" dirty="0"/>
+              <a:rPr lang="fr-FR"/>
               <a:t>Cliquez sur l'icône pour ajouter une image</a:t>
             </a:r>
-            <a:endParaRPr lang="en-US" dirty="0"/>
+            <a:endParaRPr lang="en-US"/>
           </a:p>
         </p:txBody>
       </p:sp>
@@ -6678,9 +6678,9 @@
               <a:pPr>
                 <a:defRPr/>
               </a:pPr>
-              <a:t>06/01/2022</a:t>
+              <a:t>10/01/2022</a:t>
             </a:fld>
-            <a:endParaRPr lang="fr-FR" dirty="0"/>
+            <a:endParaRPr lang="fr-FR"/>
           </a:p>
         </p:txBody>
       </p:sp>
@@ -6707,7 +6707,7 @@
             <a:pPr>
               <a:defRPr/>
             </a:pPr>
-            <a:endParaRPr lang="fr-FR" dirty="0"/>
+            <a:endParaRPr lang="fr-FR"/>
           </a:p>
         </p:txBody>
       </p:sp>
@@ -6736,7 +6736,7 @@
               </a:pPr>
               <a:t>‹N°›</a:t>
             </a:fld>
-            <a:endParaRPr lang="fr-FR" dirty="0"/>
+            <a:endParaRPr lang="fr-FR"/>
           </a:p>
         </p:txBody>
       </p:sp>
@@ -7104,9 +7104,9 @@
               <a:pPr>
                 <a:defRPr/>
               </a:pPr>
-              <a:t>06/01/2022</a:t>
+              <a:t>10/01/2022</a:t>
             </a:fld>
-            <a:endParaRPr lang="fr-FR" dirty="0"/>
+            <a:endParaRPr lang="fr-FR"/>
           </a:p>
         </p:txBody>
       </p:sp>
@@ -7148,7 +7148,7 @@
             <a:pPr>
               <a:defRPr/>
             </a:pPr>
-            <a:endParaRPr lang="fr-FR" dirty="0"/>
+            <a:endParaRPr lang="fr-FR"/>
           </a:p>
         </p:txBody>
       </p:sp>
@@ -7197,7 +7197,7 @@
               </a:pPr>
               <a:t>‹N°›</a:t>
             </a:fld>
-            <a:endParaRPr lang="fr-FR" dirty="0"/>
+            <a:endParaRPr lang="fr-FR"/>
           </a:p>
         </p:txBody>
       </p:sp>
@@ -7684,7 +7684,7 @@
             </a:br>
             <a:r>
               <a:rPr sz="2000"/>
-              <a:t>The current document has been generated at 2022-01-06 10:25:22</a:t>
+              <a:t>The current document has been generated at 2022-01-10 17:18:16</a:t>
             </a:r>
             <a:br>
               <a:rPr sz="2000"/>
@@ -7710,6 +7710,80 @@
           </a:p>
         </p:txBody>
       </p:sp>
+      <p:sp>
+        <p:nvSpPr>
+          <p:cNvPr id="3" name="ZoneTexte 2">
+            <a:extLst>
+              <a:ext uri="{FF2B5EF4-FFF2-40B4-BE49-F238E27FC236}">
+                <a16:creationId xmlns:a16="http://schemas.microsoft.com/office/drawing/2014/main" id="{CF1BE912-F207-40D4-8EBD-F5FBECF2F7FF}"/>
+              </a:ext>
+            </a:extLst>
+          </p:cNvPr>
+          <p:cNvSpPr txBox="1"/>
+          <p:nvPr/>
+        </p:nvSpPr>
+        <p:spPr>
+          <a:xfrm>
+            <a:off x="623268" y="5661248"/>
+            <a:ext cx="2182008" cy="369332"/>
+          </a:xfrm>
+          <a:prstGeom prst="rect">
+            <a:avLst/>
+          </a:prstGeom>
+          <a:noFill/>
+        </p:spPr>
+        <p:txBody>
+          <a:bodyPr wrap="none" rtlCol="0">
+            <a:spAutoFit/>
+          </a:bodyPr>
+          <a:lstStyle/>
+          <a:p>
+            <a:r>
+              <a:t>Salut : tests/test.jpg,</a:t>
+            </a:r>
+          </a:p>
+        </p:txBody>
+      </p:sp>
+      <p:pic>
+        <p:nvPicPr>
+          <p:cNvPr id="4" name="Image 3" descr="">
+            <a:extLst>
+              <a:ext uri="{FF2B5EF4-FFF2-40B4-BE49-F238E27FC236}">
+                <a16:creationId xmlns:a16="http://schemas.microsoft.com/office/drawing/2014/main" id="{757651FC-6481-4687-B271-901434F70179}"/>
+              </a:ext>
+            </a:extLst>
+          </p:cNvPr>
+          <p:cNvPicPr>
+            <a:picLocks noChangeAspect="1"/>
+          </p:cNvPicPr>
+          <p:nvPr/>
+        </p:nvPicPr>
+        <p:blipFill>
+          <a:blip r:embed="opentbs1">
+            <a:extLst>
+              <a:ext uri="{28A0092B-C50C-407E-A947-70E740481C1C}">
+                <a14:useLocalDpi xmlns:a14="http://schemas.microsoft.com/office/drawing/2010/main" val="0"/>
+              </a:ext>
+            </a:extLst>
+          </a:blip>
+          <a:stretch>
+            <a:fillRect/>
+          </a:stretch>
+        </p:blipFill>
+        <p:spPr bwMode="auto">
+          <a:xfrm>
+            <a:off x="4572001" y="751439"/>
+            <a:ext cx="3811960" cy="1464135"/>
+          </a:xfrm>
+          <a:prstGeom prst="rect">
+            <a:avLst/>
+          </a:prstGeom>
+          <a:noFill/>
+          <a:ln>
+            <a:noFill/>
+          </a:ln>
+        </p:spPr>
+      </p:pic>
     </p:spTree>
   </p:cSld>
   <p:clrMapOvr>
@@ -7718,7 +7792,7 @@
 </p:sld>
 </file>
 
-<file path=ppt/slides/slide2.xml><?xml version="1.0" encoding="utf-8"?>
+<file path=ppt/slides/slide3.xml><?xml version="1.0" encoding="utf-8"?>
 <p:sld xmlns:a="http://schemas.openxmlformats.org/drawingml/2006/main" xmlns:r="http://schemas.openxmlformats.org/officeDocument/2006/relationships" xmlns:p="http://schemas.openxmlformats.org/presentationml/2006/main">
   <p:cSld>
     <p:spTree>

--- a/tests/salut.pptx
+++ b/tests/salut.pptx
@@ -206,7 +206,7 @@
           <c:invertIfNegative val="0"/>
           <c:cat>
             <c:strLit>
-              <c:ptCount val="4"/>
+              <c:ptCount val="6"/>
               <c:pt idx="0">
                 <c:v>Cat. A</c:v>
               </c:pt>
@@ -219,12 +219,18 @@
               <c:pt idx="3">
                 <c:v>Cat. D</c:v>
               </c:pt>
+              <c:pt idx="4">
+                <c:v>Cat. E</c:v>
+              </c:pt>
+              <c:pt idx="5">
+                <c:v>Cat. G</c:v>
+              </c:pt>
             </c:strLit>
           </c:cat>
           <c:val>
             <c:numLit>
               <c:formatCode>General</c:formatCode>
-              <c:ptCount val="4"/>
+              <c:ptCount val="6"/>
               <c:pt idx="0">
                 <c:v>0.7</c:v>
               </c:pt>
@@ -236,6 +242,12 @@
               </c:pt>
               <c:pt idx="3">
                 <c:v>4.8</c:v>
+              </c:pt>
+              <c:pt idx="4">
+                <c:v>5</c:v>
+              </c:pt>
+              <c:pt idx="5">
+                <c:v>5</c:v>
               </c:pt>
             </c:numLit>
           </c:val>
@@ -263,7 +275,7 @@
           <c:invertIfNegative val="0"/>
           <c:cat>
             <c:strLit>
-              <c:ptCount val="4"/>
+              <c:ptCount val="6"/>
               <c:pt idx="0">
                 <c:v>Cat. A</c:v>
               </c:pt>
@@ -276,12 +288,18 @@
               <c:pt idx="3">
                 <c:v>Cat. D</c:v>
               </c:pt>
+              <c:pt idx="4">
+                <c:v>Cat. E</c:v>
+              </c:pt>
+              <c:pt idx="5">
+                <c:v>Cat. G</c:v>
+              </c:pt>
             </c:strLit>
           </c:cat>
           <c:val>
             <c:numLit>
               <c:formatCode>General</c:formatCode>
-              <c:ptCount val="4"/>
+              <c:ptCount val="6"/>
               <c:pt idx="0">
                 <c:v>0.5</c:v>
               </c:pt>
@@ -292,6 +310,12 @@
                 <c:v>3</c:v>
               </c:pt>
               <c:pt idx="3">
+                <c:v>5</c:v>
+              </c:pt>
+              <c:pt idx="4">
+                <c:v>5</c:v>
+              </c:pt>
+              <c:pt idx="5">
                 <c:v>5</c:v>
               </c:pt>
             </c:numLit>
@@ -620,7 +644,7 @@
           <c:invertIfNegative val="0"/>
           <c:cat>
             <c:strLit>
-              <c:ptCount val="4"/>
+              <c:ptCount val="6"/>
               <c:pt idx="0">
                 <c:v>Cat. A</c:v>
               </c:pt>
@@ -633,12 +657,18 @@
               <c:pt idx="3">
                 <c:v>Cat. D</c:v>
               </c:pt>
+              <c:pt idx="4">
+                <c:v>Cat. E</c:v>
+              </c:pt>
+              <c:pt idx="5">
+                <c:v>Cat. G</c:v>
+              </c:pt>
             </c:strLit>
           </c:cat>
           <c:val>
             <c:numLit>
               <c:formatCode>General</c:formatCode>
-              <c:ptCount val="4"/>
+              <c:ptCount val="6"/>
               <c:pt idx="0">
                 <c:v>0.7</c:v>
               </c:pt>
@@ -650,6 +680,12 @@
               </c:pt>
               <c:pt idx="3">
                 <c:v>4.8</c:v>
+              </c:pt>
+              <c:pt idx="4">
+                <c:v>5</c:v>
+              </c:pt>
+              <c:pt idx="5">
+                <c:v>5</c:v>
               </c:pt>
             </c:numLit>
           </c:val>
@@ -677,7 +713,7 @@
           <c:invertIfNegative val="0"/>
           <c:cat>
             <c:strLit>
-              <c:ptCount val="4"/>
+              <c:ptCount val="6"/>
               <c:pt idx="0">
                 <c:v>Cat. A</c:v>
               </c:pt>
@@ -690,12 +726,18 @@
               <c:pt idx="3">
                 <c:v>Cat. D</c:v>
               </c:pt>
+              <c:pt idx="4">
+                <c:v>Cat. E</c:v>
+              </c:pt>
+              <c:pt idx="5">
+                <c:v>Cat. G</c:v>
+              </c:pt>
             </c:strLit>
           </c:cat>
           <c:val>
             <c:numLit>
               <c:formatCode>General</c:formatCode>
-              <c:ptCount val="4"/>
+              <c:ptCount val="6"/>
               <c:pt idx="0">
                 <c:v>0.5</c:v>
               </c:pt>
@@ -706,6 +748,12 @@
                 <c:v>3</c:v>
               </c:pt>
               <c:pt idx="3">
+                <c:v>5</c:v>
+              </c:pt>
+              <c:pt idx="4">
+                <c:v>5</c:v>
+              </c:pt>
+              <c:pt idx="5">
                 <c:v>5</c:v>
               </c:pt>
             </c:numLit>
@@ -7684,7 +7732,7 @@
             </a:br>
             <a:r>
               <a:rPr sz="2000"/>
-              <a:t>The current document has been generated at 2022-01-10 17:18:16</a:t>
+              <a:t>The current document has been generated at 2022-01-11 13:39:04</a:t>
             </a:r>
             <a:br>
               <a:rPr sz="2000"/>
